--- a/Education and Income Outcomes.pptx
+++ b/Education and Income Outcomes.pptx
@@ -5,27 +5,29 @@
     <p:sldMasterId id="2147483648" r:id="rId1"/>
   </p:sldMasterIdLst>
   <p:notesMasterIdLst>
-    <p:notesMasterId r:id="rId20"/>
+    <p:notesMasterId r:id="rId22"/>
   </p:notesMasterIdLst>
   <p:sldIdLst>
     <p:sldId id="256" r:id="rId2"/>
     <p:sldId id="257" r:id="rId3"/>
-    <p:sldId id="258" r:id="rId4"/>
-    <p:sldId id="259" r:id="rId5"/>
-    <p:sldId id="261" r:id="rId6"/>
-    <p:sldId id="262" r:id="rId7"/>
-    <p:sldId id="264" r:id="rId8"/>
-    <p:sldId id="265" r:id="rId9"/>
-    <p:sldId id="266" r:id="rId10"/>
-    <p:sldId id="268" r:id="rId11"/>
-    <p:sldId id="269" r:id="rId12"/>
-    <p:sldId id="272" r:id="rId13"/>
-    <p:sldId id="275" r:id="rId14"/>
-    <p:sldId id="277" r:id="rId15"/>
-    <p:sldId id="279" r:id="rId16"/>
-    <p:sldId id="280" r:id="rId17"/>
-    <p:sldId id="284" r:id="rId18"/>
-    <p:sldId id="285" r:id="rId19"/>
+    <p:sldId id="286" r:id="rId4"/>
+    <p:sldId id="287" r:id="rId5"/>
+    <p:sldId id="258" r:id="rId6"/>
+    <p:sldId id="259" r:id="rId7"/>
+    <p:sldId id="261" r:id="rId8"/>
+    <p:sldId id="262" r:id="rId9"/>
+    <p:sldId id="264" r:id="rId10"/>
+    <p:sldId id="265" r:id="rId11"/>
+    <p:sldId id="266" r:id="rId12"/>
+    <p:sldId id="268" r:id="rId13"/>
+    <p:sldId id="269" r:id="rId14"/>
+    <p:sldId id="272" r:id="rId15"/>
+    <p:sldId id="275" r:id="rId16"/>
+    <p:sldId id="277" r:id="rId17"/>
+    <p:sldId id="279" r:id="rId18"/>
+    <p:sldId id="280" r:id="rId19"/>
+    <p:sldId id="284" r:id="rId20"/>
+    <p:sldId id="285" r:id="rId21"/>
   </p:sldIdLst>
   <p:sldSz cx="12192000" cy="6858000"/>
   <p:notesSz cx="6858000" cy="9144000"/>
@@ -124,6 +126,11 @@
       </a:defRPr>
     </a:lvl9pPr>
   </p:defaultTextStyle>
+  <p:extLst>
+    <p:ext uri="{EFAFB233-063F-42B5-8137-9DF3F51BA10A}">
+      <p15:sldGuideLst xmlns:p15="http://schemas.microsoft.com/office/powerpoint/2012/main"/>
+    </p:ext>
+  </p:extLst>
 </p:presentation>
 </file>
 
@@ -209,7 +216,7 @@
           <a:p>
             <a:fld id="{BC8A47B3-E71A-4EBE-ABC6-99EF1D5F4029}" type="datetimeFigureOut">
               <a:rPr lang="en-US" smtClean="0"/>
-              <a:t>3/8/2020</a:t>
+              <a:t>3/10/2020</a:t>
             </a:fld>
             <a:endParaRPr lang="en-US"/>
           </a:p>
@@ -542,7 +549,7 @@
           <a:p>
             <a:fld id="{85ED9A25-27D0-4DA9-A883-2BF678C39FBC}" type="slidenum">
               <a:rPr lang="en-US" smtClean="0"/>
-              <a:t>3</a:t>
+              <a:t>5</a:t>
             </a:fld>
             <a:endParaRPr lang="en-US"/>
           </a:p>
@@ -626,7 +633,7 @@
           <a:p>
             <a:fld id="{85ED9A25-27D0-4DA9-A883-2BF678C39FBC}" type="slidenum">
               <a:rPr lang="en-US" smtClean="0"/>
-              <a:t>7</a:t>
+              <a:t>9</a:t>
             </a:fld>
             <a:endParaRPr lang="en-US"/>
           </a:p>
@@ -710,7 +717,7 @@
           <a:p>
             <a:fld id="{85ED9A25-27D0-4DA9-A883-2BF678C39FBC}" type="slidenum">
               <a:rPr lang="en-US" smtClean="0"/>
-              <a:t>9</a:t>
+              <a:t>11</a:t>
             </a:fld>
             <a:endParaRPr lang="en-US"/>
           </a:p>
@@ -794,7 +801,7 @@
           <a:p>
             <a:fld id="{85ED9A25-27D0-4DA9-A883-2BF678C39FBC}" type="slidenum">
               <a:rPr lang="en-US" smtClean="0"/>
-              <a:t>10</a:t>
+              <a:t>12</a:t>
             </a:fld>
             <a:endParaRPr lang="en-US"/>
           </a:p>
@@ -878,7 +885,7 @@
           <a:p>
             <a:fld id="{85ED9A25-27D0-4DA9-A883-2BF678C39FBC}" type="slidenum">
               <a:rPr lang="en-US" smtClean="0"/>
-              <a:t>17</a:t>
+              <a:t>19</a:t>
             </a:fld>
             <a:endParaRPr lang="en-US"/>
           </a:p>
@@ -1028,7 +1035,7 @@
           <a:p>
             <a:fld id="{49C1F47F-EE08-4665-9945-6ECBCAF6B348}" type="datetimeFigureOut">
               <a:rPr lang="en-US" smtClean="0"/>
-              <a:t>3/8/2020</a:t>
+              <a:t>3/10/2020</a:t>
             </a:fld>
             <a:endParaRPr lang="en-US"/>
           </a:p>
@@ -1198,7 +1205,7 @@
           <a:p>
             <a:fld id="{49C1F47F-EE08-4665-9945-6ECBCAF6B348}" type="datetimeFigureOut">
               <a:rPr lang="en-US" smtClean="0"/>
-              <a:t>3/8/2020</a:t>
+              <a:t>3/10/2020</a:t>
             </a:fld>
             <a:endParaRPr lang="en-US"/>
           </a:p>
@@ -1378,7 +1385,7 @@
           <a:p>
             <a:fld id="{49C1F47F-EE08-4665-9945-6ECBCAF6B348}" type="datetimeFigureOut">
               <a:rPr lang="en-US" smtClean="0"/>
-              <a:t>3/8/2020</a:t>
+              <a:t>3/10/2020</a:t>
             </a:fld>
             <a:endParaRPr lang="en-US"/>
           </a:p>
@@ -1548,7 +1555,7 @@
           <a:p>
             <a:fld id="{49C1F47F-EE08-4665-9945-6ECBCAF6B348}" type="datetimeFigureOut">
               <a:rPr lang="en-US" smtClean="0"/>
-              <a:t>3/8/2020</a:t>
+              <a:t>3/10/2020</a:t>
             </a:fld>
             <a:endParaRPr lang="en-US"/>
           </a:p>
@@ -1794,7 +1801,7 @@
           <a:p>
             <a:fld id="{49C1F47F-EE08-4665-9945-6ECBCAF6B348}" type="datetimeFigureOut">
               <a:rPr lang="en-US" smtClean="0"/>
-              <a:t>3/8/2020</a:t>
+              <a:t>3/10/2020</a:t>
             </a:fld>
             <a:endParaRPr lang="en-US"/>
           </a:p>
@@ -2026,7 +2033,7 @@
           <a:p>
             <a:fld id="{49C1F47F-EE08-4665-9945-6ECBCAF6B348}" type="datetimeFigureOut">
               <a:rPr lang="en-US" smtClean="0"/>
-              <a:t>3/8/2020</a:t>
+              <a:t>3/10/2020</a:t>
             </a:fld>
             <a:endParaRPr lang="en-US"/>
           </a:p>
@@ -2393,7 +2400,7 @@
           <a:p>
             <a:fld id="{49C1F47F-EE08-4665-9945-6ECBCAF6B348}" type="datetimeFigureOut">
               <a:rPr lang="en-US" smtClean="0"/>
-              <a:t>3/8/2020</a:t>
+              <a:t>3/10/2020</a:t>
             </a:fld>
             <a:endParaRPr lang="en-US"/>
           </a:p>
@@ -2511,7 +2518,7 @@
           <a:p>
             <a:fld id="{49C1F47F-EE08-4665-9945-6ECBCAF6B348}" type="datetimeFigureOut">
               <a:rPr lang="en-US" smtClean="0"/>
-              <a:t>3/8/2020</a:t>
+              <a:t>3/10/2020</a:t>
             </a:fld>
             <a:endParaRPr lang="en-US"/>
           </a:p>
@@ -2606,7 +2613,7 @@
           <a:p>
             <a:fld id="{49C1F47F-EE08-4665-9945-6ECBCAF6B348}" type="datetimeFigureOut">
               <a:rPr lang="en-US" smtClean="0"/>
-              <a:t>3/8/2020</a:t>
+              <a:t>3/10/2020</a:t>
             </a:fld>
             <a:endParaRPr lang="en-US"/>
           </a:p>
@@ -2883,7 +2890,7 @@
           <a:p>
             <a:fld id="{49C1F47F-EE08-4665-9945-6ECBCAF6B348}" type="datetimeFigureOut">
               <a:rPr lang="en-US" smtClean="0"/>
-              <a:t>3/8/2020</a:t>
+              <a:t>3/10/2020</a:t>
             </a:fld>
             <a:endParaRPr lang="en-US"/>
           </a:p>
@@ -3136,7 +3143,7 @@
           <a:p>
             <a:fld id="{49C1F47F-EE08-4665-9945-6ECBCAF6B348}" type="datetimeFigureOut">
               <a:rPr lang="en-US" smtClean="0"/>
-              <a:t>3/8/2020</a:t>
+              <a:t>3/10/2020</a:t>
             </a:fld>
             <a:endParaRPr lang="en-US"/>
           </a:p>
@@ -3349,7 +3356,7 @@
           <a:p>
             <a:fld id="{49C1F47F-EE08-4665-9945-6ECBCAF6B348}" type="datetimeFigureOut">
               <a:rPr lang="en-US" smtClean="0"/>
-              <a:t>3/8/2020</a:t>
+              <a:t>3/10/2020</a:t>
             </a:fld>
             <a:endParaRPr lang="en-US"/>
           </a:p>
@@ -3881,6 +3888,455 @@
             <p:ph type="title"/>
           </p:nvPr>
         </p:nvSpPr>
+        <p:spPr/>
+        <p:txBody>
+          <a:bodyPr/>
+          <a:lstStyle/>
+          <a:p>
+            <a:r>
+              <a:rPr lang="en-US" b="1" dirty="0" smtClean="0"/>
+              <a:t>Income for </a:t>
+            </a:r>
+            <a:br>
+              <a:rPr lang="en-US" b="1" dirty="0" smtClean="0"/>
+            </a:br>
+            <a:r>
+              <a:rPr lang="en-US" b="1" dirty="0" smtClean="0"/>
+              <a:t>education levels</a:t>
+            </a:r>
+            <a:endParaRPr lang="en-US" b="1" dirty="0"/>
+          </a:p>
+        </p:txBody>
+      </p:sp>
+      <p:sp>
+        <p:nvSpPr>
+          <p:cNvPr id="4" name="Text Placeholder 3"/>
+          <p:cNvSpPr>
+            <a:spLocks noGrp="1"/>
+          </p:cNvSpPr>
+          <p:nvPr>
+            <p:ph type="body" sz="half" idx="2"/>
+          </p:nvPr>
+        </p:nvSpPr>
+        <p:spPr>
+          <a:xfrm>
+            <a:off x="1318009" y="2104697"/>
+            <a:ext cx="2287039" cy="3811588"/>
+          </a:xfrm>
+        </p:spPr>
+        <p:txBody>
+          <a:bodyPr/>
+          <a:lstStyle/>
+          <a:p>
+            <a:pPr algn="ctr"/>
+            <a:endParaRPr lang="en-US" dirty="0" smtClean="0"/>
+          </a:p>
+          <a:p>
+            <a:r>
+              <a:rPr lang="en-US" sz="1800" dirty="0"/>
+              <a:t>9 = high school</a:t>
+            </a:r>
+          </a:p>
+          <a:p>
+            <a:r>
+              <a:rPr lang="en-US" sz="1800" dirty="0"/>
+              <a:t>      graduate</a:t>
+            </a:r>
+          </a:p>
+          <a:p>
+            <a:r>
+              <a:rPr lang="en-US" sz="1800" dirty="0"/>
+              <a:t> </a:t>
+            </a:r>
+          </a:p>
+          <a:p>
+            <a:r>
+              <a:rPr lang="en-US" sz="1800" dirty="0"/>
+              <a:t>10 = some </a:t>
+            </a:r>
+          </a:p>
+          <a:p>
+            <a:r>
+              <a:rPr lang="en-US" sz="1800" dirty="0"/>
+              <a:t>         college</a:t>
+            </a:r>
+          </a:p>
+          <a:p>
+            <a:r>
+              <a:rPr lang="en-US" sz="1800" dirty="0"/>
+              <a:t>        (median)</a:t>
+            </a:r>
+          </a:p>
+          <a:p>
+            <a:r>
+              <a:rPr lang="en-US" sz="1800" dirty="0"/>
+              <a:t> </a:t>
+            </a:r>
+          </a:p>
+          <a:p>
+            <a:r>
+              <a:rPr lang="en-US" sz="1800" dirty="0"/>
+              <a:t>13 = bachelor’s</a:t>
+            </a:r>
+          </a:p>
+          <a:p>
+            <a:r>
+              <a:rPr lang="en-US" sz="1800" dirty="0"/>
+              <a:t>         degree</a:t>
+            </a:r>
+          </a:p>
+        </p:txBody>
+      </p:sp>
+      <p:pic>
+        <p:nvPicPr>
+          <p:cNvPr id="8" name="Content Placeholder 7"/>
+          <p:cNvPicPr>
+            <a:picLocks noGrp="1"/>
+          </p:cNvPicPr>
+          <p:nvPr>
+            <p:ph idx="1"/>
+          </p:nvPr>
+        </p:nvPicPr>
+        <p:blipFill>
+          <a:blip r:embed="rId2"/>
+          <a:stretch>
+            <a:fillRect/>
+          </a:stretch>
+        </p:blipFill>
+        <p:spPr>
+          <a:xfrm>
+            <a:off x="4950372" y="1035269"/>
+            <a:ext cx="6274675" cy="4950372"/>
+          </a:xfrm>
+          <a:prstGeom prst="rect">
+            <a:avLst/>
+          </a:prstGeom>
+        </p:spPr>
+      </p:pic>
+    </p:spTree>
+    <p:extLst>
+      <p:ext uri="{BB962C8B-B14F-4D97-AF65-F5344CB8AC3E}">
+        <p14:creationId xmlns:p14="http://schemas.microsoft.com/office/powerpoint/2010/main" val="1563909206"/>
+      </p:ext>
+    </p:extLst>
+  </p:cSld>
+  <p:clrMapOvr>
+    <a:masterClrMapping/>
+  </p:clrMapOvr>
+</p:sld>
+</file>
+
+<file path=ppt/slides/slide11.xml><?xml version="1.0" encoding="utf-8"?>
+<p:sld xmlns:a="http://schemas.openxmlformats.org/drawingml/2006/main" xmlns:r="http://schemas.openxmlformats.org/officeDocument/2006/relationships" xmlns:p="http://schemas.openxmlformats.org/presentationml/2006/main">
+  <p:cSld>
+    <p:spTree>
+      <p:nvGrpSpPr>
+        <p:cNvPr id="1" name=""/>
+        <p:cNvGrpSpPr/>
+        <p:nvPr/>
+      </p:nvGrpSpPr>
+      <p:grpSpPr>
+        <a:xfrm>
+          <a:off x="0" y="0"/>
+          <a:ext cx="0" cy="0"/>
+          <a:chOff x="0" y="0"/>
+          <a:chExt cx="0" cy="0"/>
+        </a:xfrm>
+      </p:grpSpPr>
+      <p:sp>
+        <p:nvSpPr>
+          <p:cNvPr id="2" name="Title 1"/>
+          <p:cNvSpPr>
+            <a:spLocks noGrp="1"/>
+          </p:cNvSpPr>
+          <p:nvPr>
+            <p:ph type="title"/>
+          </p:nvPr>
+        </p:nvSpPr>
+        <p:spPr>
+          <a:xfrm>
+            <a:off x="838200" y="365125"/>
+            <a:ext cx="10515600" cy="2515534"/>
+          </a:xfrm>
+        </p:spPr>
+        <p:txBody>
+          <a:bodyPr>
+            <a:noAutofit/>
+          </a:bodyPr>
+          <a:lstStyle/>
+          <a:p>
+            <a:r>
+              <a:rPr lang="en-US" sz="4000" dirty="0" smtClean="0"/>
+              <a:t/>
+            </a:r>
+            <a:br>
+              <a:rPr lang="en-US" sz="4000" dirty="0" smtClean="0"/>
+            </a:br>
+            <a:r>
+              <a:rPr lang="en-US" sz="4000" dirty="0" smtClean="0"/>
+              <a:t/>
+            </a:r>
+            <a:br>
+              <a:rPr lang="en-US" sz="4000" dirty="0" smtClean="0"/>
+            </a:br>
+            <a:r>
+              <a:rPr lang="en-US" sz="4000" dirty="0" smtClean="0"/>
+              <a:t/>
+            </a:r>
+            <a:br>
+              <a:rPr lang="en-US" sz="4000" dirty="0" smtClean="0"/>
+            </a:br>
+            <a:r>
+              <a:rPr lang="en-US" sz="2800" i="1" dirty="0" smtClean="0"/>
+              <a:t>Hypothesis Testing</a:t>
+            </a:r>
+            <a:br>
+              <a:rPr lang="en-US" sz="2800" i="1" dirty="0" smtClean="0"/>
+            </a:br>
+            <a:r>
+              <a:rPr lang="en-US" sz="4000" dirty="0"/>
+              <a:t/>
+            </a:r>
+            <a:br>
+              <a:rPr lang="en-US" sz="4000" dirty="0"/>
+            </a:br>
+            <a:r>
+              <a:rPr lang="en-US" sz="3600" b="1" dirty="0" smtClean="0"/>
+              <a:t>1. Relationship </a:t>
+            </a:r>
+            <a:r>
+              <a:rPr lang="en-US" sz="3600" b="1" dirty="0"/>
+              <a:t>of Education to Income Outcome</a:t>
+            </a:r>
+            <a:r>
+              <a:rPr lang="en-US" sz="3600" dirty="0"/>
+              <a:t/>
+            </a:r>
+            <a:br>
+              <a:rPr lang="en-US" sz="3600" dirty="0"/>
+            </a:br>
+            <a:r>
+              <a:rPr lang="en-US" sz="4000" dirty="0"/>
+              <a:t/>
+            </a:r>
+            <a:br>
+              <a:rPr lang="en-US" sz="4000" dirty="0"/>
+            </a:br>
+            <a:r>
+              <a:rPr lang="en-US" sz="3600" dirty="0" smtClean="0"/>
+              <a:t/>
+            </a:r>
+            <a:br>
+              <a:rPr lang="en-US" sz="3600" dirty="0" smtClean="0"/>
+            </a:br>
+            <a:r>
+              <a:rPr lang="en-US" dirty="0"/>
+              <a:t/>
+            </a:r>
+            <a:br>
+              <a:rPr lang="en-US" dirty="0"/>
+            </a:br>
+            <a:endParaRPr lang="en-US" dirty="0"/>
+          </a:p>
+        </p:txBody>
+      </p:sp>
+      <p:sp>
+        <p:nvSpPr>
+          <p:cNvPr id="3" name="Content Placeholder 2"/>
+          <p:cNvSpPr>
+            <a:spLocks noGrp="1"/>
+          </p:cNvSpPr>
+          <p:nvPr>
+            <p:ph idx="1"/>
+          </p:nvPr>
+        </p:nvSpPr>
+        <p:spPr>
+          <a:xfrm>
+            <a:off x="880242" y="2396358"/>
+            <a:ext cx="10515600" cy="3065901"/>
+          </a:xfrm>
+        </p:spPr>
+        <p:txBody>
+          <a:bodyPr>
+            <a:normAutofit fontScale="92500" lnSpcReduction="20000"/>
+          </a:bodyPr>
+          <a:lstStyle/>
+          <a:p>
+            <a:pPr marL="0" indent="0">
+              <a:buNone/>
+            </a:pPr>
+            <a:r>
+              <a:rPr lang="en-US" dirty="0" smtClean="0"/>
+              <a:t>	Null </a:t>
+            </a:r>
+            <a:r>
+              <a:rPr lang="en-US" dirty="0"/>
+              <a:t>hypothesis: </a:t>
+            </a:r>
+            <a:r>
+              <a:rPr lang="en-US" dirty="0" smtClean="0"/>
+              <a:t>No </a:t>
+            </a:r>
+            <a:r>
+              <a:rPr lang="en-US" dirty="0"/>
+              <a:t>differential effect on income outcome between </a:t>
+            </a:r>
+          </a:p>
+          <a:p>
+            <a:pPr marL="0" indent="0">
+              <a:buNone/>
+            </a:pPr>
+            <a:r>
+              <a:rPr lang="en-US" dirty="0" smtClean="0"/>
+              <a:t>		BA </a:t>
+            </a:r>
+            <a:r>
+              <a:rPr lang="en-US" dirty="0"/>
+              <a:t>= bachelor’s degree &amp; no additional degrees (8025)</a:t>
+            </a:r>
+          </a:p>
+          <a:p>
+            <a:pPr marL="0" indent="0">
+              <a:buNone/>
+            </a:pPr>
+            <a:r>
+              <a:rPr lang="en-US" dirty="0" smtClean="0"/>
+              <a:t>		No </a:t>
+            </a:r>
+            <a:r>
+              <a:rPr lang="en-US" dirty="0"/>
+              <a:t>BA = without bachelor’s degree (36372)</a:t>
+            </a:r>
+          </a:p>
+          <a:p>
+            <a:pPr marL="0" indent="0">
+              <a:buNone/>
+            </a:pPr>
+            <a:r>
+              <a:rPr lang="en-US" dirty="0"/>
+              <a:t> </a:t>
+            </a:r>
+          </a:p>
+          <a:p>
+            <a:pPr lvl="2"/>
+            <a:r>
+              <a:rPr lang="en-US" dirty="0" smtClean="0"/>
+              <a:t>Two-sample </a:t>
+            </a:r>
+            <a:r>
+              <a:rPr lang="en-US" dirty="0"/>
+              <a:t>t-test from </a:t>
+            </a:r>
+            <a:r>
+              <a:rPr lang="en-US" dirty="0" err="1"/>
+              <a:t>scipy</a:t>
+            </a:r>
+            <a:r>
+              <a:rPr lang="en-US" dirty="0"/>
+              <a:t> stats</a:t>
+            </a:r>
+          </a:p>
+          <a:p>
+            <a:pPr lvl="2"/>
+            <a:r>
+              <a:rPr lang="en-US" dirty="0" smtClean="0"/>
+              <a:t>Significant </a:t>
+            </a:r>
+            <a:r>
+              <a:rPr lang="en-US" dirty="0"/>
+              <a:t>t-statistic, -52.4087 and a p-value of 0.0</a:t>
+            </a:r>
+          </a:p>
+          <a:p>
+            <a:pPr lvl="2"/>
+            <a:r>
+              <a:rPr lang="en-US" dirty="0"/>
+              <a:t>Reject null -</a:t>
+            </a:r>
+          </a:p>
+          <a:p>
+            <a:pPr marL="1371600" lvl="3" indent="0">
+              <a:buNone/>
+            </a:pPr>
+            <a:r>
+              <a:rPr lang="en-US" sz="2200" dirty="0" smtClean="0"/>
+              <a:t>Alternate:  Outcomes</a:t>
+            </a:r>
+            <a:r>
+              <a:rPr lang="en-US" sz="2200" dirty="0"/>
+              <a:t>, greater than $50k income, are more likely with </a:t>
+            </a:r>
+            <a:endParaRPr lang="en-US" sz="2200" dirty="0" smtClean="0"/>
+          </a:p>
+          <a:p>
+            <a:pPr marL="1371600" lvl="3" indent="0">
+              <a:buNone/>
+            </a:pPr>
+            <a:r>
+              <a:rPr lang="en-US" sz="2200" dirty="0" smtClean="0"/>
+              <a:t>bachelor’s degrees than any </a:t>
+            </a:r>
+            <a:r>
+              <a:rPr lang="en-US" sz="2200" dirty="0"/>
+              <a:t>education level short of a bachelor’s </a:t>
+            </a:r>
+            <a:r>
+              <a:rPr lang="en-US" sz="2200" dirty="0" smtClean="0"/>
+              <a:t>degree</a:t>
+            </a:r>
+          </a:p>
+          <a:p>
+            <a:pPr marL="914400" lvl="2" indent="0">
+              <a:buNone/>
+            </a:pPr>
+            <a:endParaRPr lang="en-US" sz="2400" dirty="0"/>
+          </a:p>
+          <a:p>
+            <a:pPr lvl="0"/>
+            <a:endParaRPr lang="en-US" dirty="0"/>
+          </a:p>
+        </p:txBody>
+      </p:sp>
+    </p:spTree>
+    <p:extLst>
+      <p:ext uri="{BB962C8B-B14F-4D97-AF65-F5344CB8AC3E}">
+        <p14:creationId xmlns:p14="http://schemas.microsoft.com/office/powerpoint/2010/main" val="1374294636"/>
+      </p:ext>
+    </p:extLst>
+  </p:cSld>
+  <p:clrMapOvr>
+    <a:masterClrMapping/>
+  </p:clrMapOvr>
+</p:sld>
+</file>
+
+<file path=ppt/slides/slide12.xml><?xml version="1.0" encoding="utf-8"?>
+<p:sld xmlns:a="http://schemas.openxmlformats.org/drawingml/2006/main" xmlns:r="http://schemas.openxmlformats.org/officeDocument/2006/relationships" xmlns:p="http://schemas.openxmlformats.org/presentationml/2006/main">
+  <p:cSld>
+    <p:spTree>
+      <p:nvGrpSpPr>
+        <p:cNvPr id="1" name=""/>
+        <p:cNvGrpSpPr/>
+        <p:nvPr/>
+      </p:nvGrpSpPr>
+      <p:grpSpPr>
+        <a:xfrm>
+          <a:off x="0" y="0"/>
+          <a:ext cx="0" cy="0"/>
+          <a:chOff x="0" y="0"/>
+          <a:chExt cx="0" cy="0"/>
+        </a:xfrm>
+      </p:grpSpPr>
+      <p:sp>
+        <p:nvSpPr>
+          <p:cNvPr id="2" name="Title 1"/>
+          <p:cNvSpPr>
+            <a:spLocks noGrp="1"/>
+          </p:cNvSpPr>
+          <p:nvPr>
+            <p:ph type="title"/>
+          </p:nvPr>
+        </p:nvSpPr>
         <p:spPr>
           <a:xfrm>
             <a:off x="838200" y="365125"/>
@@ -4141,7 +4597,7 @@
 </p:sld>
 </file>
 
-<file path=ppt/slides/slide11.xml><?xml version="1.0" encoding="utf-8"?>
+<file path=ppt/slides/slide13.xml><?xml version="1.0" encoding="utf-8"?>
 <p:sld xmlns:a="http://schemas.openxmlformats.org/drawingml/2006/main" xmlns:r="http://schemas.openxmlformats.org/officeDocument/2006/relationships" xmlns:p="http://schemas.openxmlformats.org/presentationml/2006/main">
   <p:cSld>
     <p:spTree>
@@ -4256,7 +4712,7 @@
 </p:sld>
 </file>
 
-<file path=ppt/slides/slide12.xml><?xml version="1.0" encoding="utf-8"?>
+<file path=ppt/slides/slide14.xml><?xml version="1.0" encoding="utf-8"?>
 <p:sld xmlns:a="http://schemas.openxmlformats.org/drawingml/2006/main" xmlns:r="http://schemas.openxmlformats.org/officeDocument/2006/relationships" xmlns:p="http://schemas.openxmlformats.org/presentationml/2006/main">
   <p:cSld>
     <p:spTree>
@@ -4521,7 +4977,7 @@
 </p:sld>
 </file>
 
-<file path=ppt/slides/slide13.xml><?xml version="1.0" encoding="utf-8"?>
+<file path=ppt/slides/slide15.xml><?xml version="1.0" encoding="utf-8"?>
 <p:sld xmlns:a="http://schemas.openxmlformats.org/drawingml/2006/main" xmlns:r="http://schemas.openxmlformats.org/officeDocument/2006/relationships" xmlns:p="http://schemas.openxmlformats.org/presentationml/2006/main">
   <p:cSld>
     <p:spTree>
@@ -4765,7 +5221,7 @@
 </p:sld>
 </file>
 
-<file path=ppt/slides/slide14.xml><?xml version="1.0" encoding="utf-8"?>
+<file path=ppt/slides/slide16.xml><?xml version="1.0" encoding="utf-8"?>
 <p:sld xmlns:a="http://schemas.openxmlformats.org/drawingml/2006/main" xmlns:r="http://schemas.openxmlformats.org/officeDocument/2006/relationships" xmlns:p="http://schemas.openxmlformats.org/presentationml/2006/main">
   <p:cSld>
     <p:spTree>
@@ -5042,11 +5498,7 @@
             </a:pPr>
             <a:r>
               <a:rPr lang="en-US" sz="2400" dirty="0" smtClean="0"/>
-              <a:t>- Random</a:t>
-            </a:r>
-            <a:r>
-              <a:rPr lang="en-US" sz="2400" dirty="0" smtClean="0"/>
-              <a:t> Forest  accuracy  f1 = 0.81</a:t>
+              <a:t>- Random Forest  accuracy  f1 = 0.81</a:t>
             </a:r>
           </a:p>
           <a:p>
@@ -5061,11 +5513,7 @@
             </a:pPr>
             <a:r>
               <a:rPr lang="en-US" sz="2400" dirty="0" smtClean="0"/>
-              <a:t>- KNN</a:t>
-            </a:r>
-            <a:r>
-              <a:rPr lang="en-US" sz="2400" dirty="0" smtClean="0"/>
-              <a:t>                     accuracy  f1 = 0.82</a:t>
+              <a:t>- KNN                     accuracy  f1 = 0.82</a:t>
             </a:r>
           </a:p>
           <a:p>
@@ -5080,7 +5528,6 @@
               <a:rPr lang="en-US" sz="2400" dirty="0" smtClean="0"/>
               <a:t>           (largest true negative)</a:t>
             </a:r>
-            <a:endParaRPr lang="en-US" sz="2400" dirty="0" smtClean="0"/>
           </a:p>
           <a:p>
             <a:pPr marL="0" indent="0">
@@ -5103,7 +5550,7 @@
 </p:sld>
 </file>
 
-<file path=ppt/slides/slide15.xml><?xml version="1.0" encoding="utf-8"?>
+<file path=ppt/slides/slide17.xml><?xml version="1.0" encoding="utf-8"?>
 <p:sld xmlns:a="http://schemas.openxmlformats.org/drawingml/2006/main" xmlns:r="http://schemas.openxmlformats.org/officeDocument/2006/relationships" xmlns:p="http://schemas.openxmlformats.org/presentationml/2006/main">
   <p:cSld>
     <p:spTree>
@@ -5183,7 +5630,7 @@
 </p:sld>
 </file>
 
-<file path=ppt/slides/slide16.xml><?xml version="1.0" encoding="utf-8"?>
+<file path=ppt/slides/slide18.xml><?xml version="1.0" encoding="utf-8"?>
 <p:sld xmlns:a="http://schemas.openxmlformats.org/drawingml/2006/main" xmlns:r="http://schemas.openxmlformats.org/officeDocument/2006/relationships" xmlns:p="http://schemas.openxmlformats.org/presentationml/2006/main">
   <p:cSld>
     <p:spTree>
@@ -5310,7 +5757,7 @@
 </p:sld>
 </file>
 
-<file path=ppt/slides/slide17.xml><?xml version="1.0" encoding="utf-8"?>
+<file path=ppt/slides/slide19.xml><?xml version="1.0" encoding="utf-8"?>
 <p:sld xmlns:a="http://schemas.openxmlformats.org/drawingml/2006/main" xmlns:r="http://schemas.openxmlformats.org/officeDocument/2006/relationships" xmlns:p="http://schemas.openxmlformats.org/presentationml/2006/main">
   <p:cSld>
     <p:spTree>
@@ -5521,107 +5968,6 @@
     <p:extLst>
       <p:ext uri="{BB962C8B-B14F-4D97-AF65-F5344CB8AC3E}">
         <p14:creationId xmlns:p14="http://schemas.microsoft.com/office/powerpoint/2010/main" val="1686434886"/>
-      </p:ext>
-    </p:extLst>
-  </p:cSld>
-  <p:clrMapOvr>
-    <a:masterClrMapping/>
-  </p:clrMapOvr>
-</p:sld>
-</file>
-
-<file path=ppt/slides/slide18.xml><?xml version="1.0" encoding="utf-8"?>
-<p:sld xmlns:a="http://schemas.openxmlformats.org/drawingml/2006/main" xmlns:r="http://schemas.openxmlformats.org/officeDocument/2006/relationships" xmlns:p="http://schemas.openxmlformats.org/presentationml/2006/main">
-  <p:cSld>
-    <p:spTree>
-      <p:nvGrpSpPr>
-        <p:cNvPr id="1" name=""/>
-        <p:cNvGrpSpPr/>
-        <p:nvPr/>
-      </p:nvGrpSpPr>
-      <p:grpSpPr>
-        <a:xfrm>
-          <a:off x="0" y="0"/>
-          <a:ext cx="0" cy="0"/>
-          <a:chOff x="0" y="0"/>
-          <a:chExt cx="0" cy="0"/>
-        </a:xfrm>
-      </p:grpSpPr>
-      <p:sp>
-        <p:nvSpPr>
-          <p:cNvPr id="2" name="Title 1"/>
-          <p:cNvSpPr>
-            <a:spLocks noGrp="1"/>
-          </p:cNvSpPr>
-          <p:nvPr>
-            <p:ph type="ctrTitle"/>
-          </p:nvPr>
-        </p:nvSpPr>
-        <p:spPr>
-          <a:xfrm>
-            <a:off x="1524000" y="1122363"/>
-            <a:ext cx="9144000" cy="1589306"/>
-          </a:xfrm>
-        </p:spPr>
-        <p:txBody>
-          <a:bodyPr>
-            <a:normAutofit/>
-          </a:bodyPr>
-          <a:lstStyle/>
-          <a:p>
-            <a:r>
-              <a:rPr lang="en-US" sz="3200" dirty="0" smtClean="0"/>
-              <a:t>More Research</a:t>
-            </a:r>
-            <a:endParaRPr lang="en-US" sz="3200" dirty="0"/>
-          </a:p>
-        </p:txBody>
-      </p:sp>
-      <p:sp>
-        <p:nvSpPr>
-          <p:cNvPr id="3" name="Subtitle 2"/>
-          <p:cNvSpPr>
-            <a:spLocks noGrp="1"/>
-          </p:cNvSpPr>
-          <p:nvPr>
-            <p:ph type="subTitle" idx="1"/>
-          </p:nvPr>
-        </p:nvSpPr>
-        <p:spPr>
-          <a:xfrm>
-            <a:off x="1524000" y="2906110"/>
-            <a:ext cx="9144000" cy="2351690"/>
-          </a:xfrm>
-        </p:spPr>
-        <p:txBody>
-          <a:bodyPr>
-            <a:normAutofit lnSpcReduction="10000"/>
-          </a:bodyPr>
-          <a:lstStyle/>
-          <a:p>
-            <a:pPr algn="l"/>
-            <a:r>
-              <a:rPr lang="en-US" dirty="0"/>
-              <a:t>The parameters for Logistic Regression and Gradient Boosting could be tuned for better performance. </a:t>
-            </a:r>
-          </a:p>
-          <a:p>
-            <a:pPr algn="l"/>
-            <a:r>
-              <a:rPr lang="en-US" dirty="0"/>
-              <a:t>Classification modeling on data at 10- to 12-year increments to explore whether the education levels and sector profiles changed for the income threshold similar to this one could provide more information for workforce development policy, with limited attributes and data privacy considerations.</a:t>
-            </a:r>
-          </a:p>
-          <a:p>
-            <a:pPr algn="l"/>
-            <a:endParaRPr lang="en-US" dirty="0"/>
-          </a:p>
-        </p:txBody>
-      </p:sp>
-    </p:spTree>
-    <p:extLst>
-      <p:ext uri="{BB962C8B-B14F-4D97-AF65-F5344CB8AC3E}">
-        <p14:creationId xmlns:p14="http://schemas.microsoft.com/office/powerpoint/2010/main" val="3912197027"/>
       </p:ext>
     </p:extLst>
   </p:cSld>
@@ -5813,6 +6159,107 @@
 </p:sld>
 </file>
 
+<file path=ppt/slides/slide20.xml><?xml version="1.0" encoding="utf-8"?>
+<p:sld xmlns:a="http://schemas.openxmlformats.org/drawingml/2006/main" xmlns:r="http://schemas.openxmlformats.org/officeDocument/2006/relationships" xmlns:p="http://schemas.openxmlformats.org/presentationml/2006/main">
+  <p:cSld>
+    <p:spTree>
+      <p:nvGrpSpPr>
+        <p:cNvPr id="1" name=""/>
+        <p:cNvGrpSpPr/>
+        <p:nvPr/>
+      </p:nvGrpSpPr>
+      <p:grpSpPr>
+        <a:xfrm>
+          <a:off x="0" y="0"/>
+          <a:ext cx="0" cy="0"/>
+          <a:chOff x="0" y="0"/>
+          <a:chExt cx="0" cy="0"/>
+        </a:xfrm>
+      </p:grpSpPr>
+      <p:sp>
+        <p:nvSpPr>
+          <p:cNvPr id="2" name="Title 1"/>
+          <p:cNvSpPr>
+            <a:spLocks noGrp="1"/>
+          </p:cNvSpPr>
+          <p:nvPr>
+            <p:ph type="ctrTitle"/>
+          </p:nvPr>
+        </p:nvSpPr>
+        <p:spPr>
+          <a:xfrm>
+            <a:off x="1524000" y="1122363"/>
+            <a:ext cx="9144000" cy="1589306"/>
+          </a:xfrm>
+        </p:spPr>
+        <p:txBody>
+          <a:bodyPr>
+            <a:normAutofit/>
+          </a:bodyPr>
+          <a:lstStyle/>
+          <a:p>
+            <a:r>
+              <a:rPr lang="en-US" sz="3200" dirty="0" smtClean="0"/>
+              <a:t>More Research</a:t>
+            </a:r>
+            <a:endParaRPr lang="en-US" sz="3200" dirty="0"/>
+          </a:p>
+        </p:txBody>
+      </p:sp>
+      <p:sp>
+        <p:nvSpPr>
+          <p:cNvPr id="3" name="Subtitle 2"/>
+          <p:cNvSpPr>
+            <a:spLocks noGrp="1"/>
+          </p:cNvSpPr>
+          <p:nvPr>
+            <p:ph type="subTitle" idx="1"/>
+          </p:nvPr>
+        </p:nvSpPr>
+        <p:spPr>
+          <a:xfrm>
+            <a:off x="1524000" y="2906110"/>
+            <a:ext cx="9144000" cy="2351690"/>
+          </a:xfrm>
+        </p:spPr>
+        <p:txBody>
+          <a:bodyPr>
+            <a:normAutofit lnSpcReduction="10000"/>
+          </a:bodyPr>
+          <a:lstStyle/>
+          <a:p>
+            <a:pPr algn="l"/>
+            <a:r>
+              <a:rPr lang="en-US" dirty="0"/>
+              <a:t>The parameters for Logistic Regression and Gradient Boosting could be tuned for better performance. </a:t>
+            </a:r>
+          </a:p>
+          <a:p>
+            <a:pPr algn="l"/>
+            <a:r>
+              <a:rPr lang="en-US" dirty="0"/>
+              <a:t>Classification modeling on data at 10- to 12-year increments to explore whether the education levels and sector profiles changed for the income threshold similar to this one could provide more information for workforce development policy, with limited attributes and data privacy considerations.</a:t>
+            </a:r>
+          </a:p>
+          <a:p>
+            <a:pPr algn="l"/>
+            <a:endParaRPr lang="en-US" dirty="0"/>
+          </a:p>
+        </p:txBody>
+      </p:sp>
+    </p:spTree>
+    <p:extLst>
+      <p:ext uri="{BB962C8B-B14F-4D97-AF65-F5344CB8AC3E}">
+        <p14:creationId xmlns:p14="http://schemas.microsoft.com/office/powerpoint/2010/main" val="3912197027"/>
+      </p:ext>
+    </p:extLst>
+  </p:cSld>
+  <p:clrMapOvr>
+    <a:masterClrMapping/>
+  </p:clrMapOvr>
+</p:sld>
+</file>
+
 <file path=ppt/slides/slide3.xml><?xml version="1.0" encoding="utf-8"?>
 <p:sld xmlns:a="http://schemas.openxmlformats.org/drawingml/2006/main" xmlns:r="http://schemas.openxmlformats.org/officeDocument/2006/relationships" xmlns:p="http://schemas.openxmlformats.org/presentationml/2006/main">
   <p:cSld>
@@ -5843,212 +6290,74 @@
         <p:spPr>
           <a:xfrm>
             <a:off x="838200" y="365125"/>
-            <a:ext cx="10515600" cy="2515534"/>
+            <a:ext cx="10515600" cy="869841"/>
           </a:xfrm>
         </p:spPr>
         <p:txBody>
           <a:bodyPr>
-            <a:normAutofit fontScale="90000"/>
+            <a:normAutofit/>
           </a:bodyPr>
           <a:lstStyle/>
           <a:p>
-            <a:r>
-              <a:rPr lang="en-US" sz="4000" dirty="0" smtClean="0"/>
-              <a:t/>
-            </a:r>
-            <a:br>
-              <a:rPr lang="en-US" sz="4000" dirty="0" smtClean="0"/>
-            </a:br>
-            <a:r>
-              <a:rPr lang="en-US" sz="3600" b="1" i="1" dirty="0" smtClean="0"/>
-              <a:t>The DATA</a:t>
-            </a:r>
-            <a:r>
-              <a:rPr lang="en-US" sz="3600" dirty="0" smtClean="0"/>
-              <a:t> </a:t>
-            </a:r>
-            <a:br>
-              <a:rPr lang="en-US" sz="3600" dirty="0" smtClean="0"/>
-            </a:br>
-            <a:r>
-              <a:rPr lang="en-US" sz="3600" dirty="0" smtClean="0"/>
-              <a:t>	</a:t>
-            </a:r>
-            <a:r>
-              <a:rPr lang="en-US" sz="3200" dirty="0"/>
-              <a:t>–  US Census Adult Census Income on </a:t>
-            </a:r>
-            <a:r>
-              <a:rPr lang="en-US" sz="3200" dirty="0" err="1"/>
-              <a:t>Kaggle</a:t>
-            </a:r>
-            <a:r>
-              <a:rPr lang="en-US" sz="3200" dirty="0"/>
-              <a:t> website </a:t>
-            </a:r>
-            <a:r>
-              <a:rPr lang="en-US" sz="3600" dirty="0"/>
-              <a:t/>
-            </a:r>
-            <a:br>
-              <a:rPr lang="en-US" sz="3600" dirty="0"/>
-            </a:br>
-            <a:r>
-              <a:rPr lang="en-US" sz="3600" dirty="0" smtClean="0"/>
-              <a:t>	           </a:t>
-            </a:r>
-            <a:r>
-              <a:rPr lang="en-US" sz="3200" b="1" dirty="0"/>
-              <a:t>I</a:t>
-            </a:r>
-            <a:r>
-              <a:rPr lang="en-US" sz="3200" b="1" dirty="0" smtClean="0"/>
-              <a:t>ncome</a:t>
-            </a:r>
-            <a:r>
-              <a:rPr lang="en-US" sz="3200" b="1" dirty="0"/>
-              <a:t>: </a:t>
-            </a:r>
-            <a:r>
-              <a:rPr lang="en-US" sz="3200" b="1" dirty="0" smtClean="0"/>
-              <a:t>  &lt; or </a:t>
-            </a:r>
-            <a:r>
-              <a:rPr lang="en-US" sz="3200" b="1" dirty="0"/>
-              <a:t>= $</a:t>
-            </a:r>
-            <a:r>
-              <a:rPr lang="en-US" sz="3200" b="1" dirty="0" smtClean="0"/>
-              <a:t>50,000;   </a:t>
-            </a:r>
-            <a:r>
-              <a:rPr lang="en-US" sz="3200" b="1" dirty="0"/>
-              <a:t>&gt; $</a:t>
-            </a:r>
-            <a:r>
-              <a:rPr lang="en-US" sz="3200" b="1" dirty="0" smtClean="0"/>
-              <a:t>50,000</a:t>
-            </a:r>
-            <a:r>
-              <a:rPr lang="en-US" sz="3600" dirty="0" smtClean="0"/>
-              <a:t/>
-            </a:r>
-            <a:br>
-              <a:rPr lang="en-US" sz="3600" dirty="0" smtClean="0"/>
-            </a:br>
-            <a:r>
-              <a:rPr lang="en-US" sz="3600" dirty="0" smtClean="0"/>
-              <a:t>	        			   </a:t>
-            </a:r>
-            <a:r>
-              <a:rPr lang="en-US" sz="3200" dirty="0" smtClean="0"/>
-              <a:t>“Good </a:t>
-            </a:r>
-            <a:r>
-              <a:rPr lang="en-US" sz="3200" dirty="0"/>
-              <a:t>job” </a:t>
-            </a:r>
-            <a:r>
-              <a:rPr lang="en-US" sz="3200" dirty="0" smtClean="0"/>
-              <a:t>for </a:t>
-            </a:r>
-            <a:r>
-              <a:rPr lang="en-US" sz="3200" dirty="0"/>
-              <a:t>1994 </a:t>
-            </a:r>
-            <a:r>
-              <a:rPr lang="en-US" sz="3200" dirty="0" smtClean="0"/>
-              <a:t>data </a:t>
-            </a:r>
-            <a:endParaRPr lang="en-US" dirty="0"/>
-          </a:p>
-        </p:txBody>
-      </p:sp>
-      <p:sp>
-        <p:nvSpPr>
-          <p:cNvPr id="3" name="Content Placeholder 2"/>
-          <p:cNvSpPr>
-            <a:spLocks noGrp="1"/>
-          </p:cNvSpPr>
+            <a:pPr algn="ctr"/>
+            <a:r>
+              <a:rPr lang="en-US" sz="2000" b="1" i="1" dirty="0" smtClean="0"/>
+              <a:t>Conventional wisdom?        </a:t>
+            </a:r>
+            <a:r>
+              <a:rPr lang="en-US" sz="2000" dirty="0" smtClean="0"/>
+              <a:t>Graphic NYT March 6, 2020 – </a:t>
+            </a:r>
+            <a:r>
+              <a:rPr lang="en-US" sz="1600" dirty="0"/>
+              <a:t>Article b</a:t>
+            </a:r>
+            <a:r>
+              <a:rPr lang="en-US" sz="1600" dirty="0" smtClean="0"/>
+              <a:t>y David </a:t>
+            </a:r>
+            <a:r>
+              <a:rPr lang="en-US" sz="1600" dirty="0" err="1" smtClean="0"/>
+              <a:t>Leonhardt</a:t>
+            </a:r>
+            <a:r>
+              <a:rPr lang="en-US" sz="1600" dirty="0" smtClean="0"/>
+              <a:t> &amp; Stuart A Thompson</a:t>
+            </a:r>
+            <a:endParaRPr lang="en-US" sz="1600" dirty="0"/>
+          </a:p>
+        </p:txBody>
+      </p:sp>
+      <p:pic>
+        <p:nvPicPr>
+          <p:cNvPr id="4" name="Content Placeholder 3"/>
+          <p:cNvPicPr>
+            <a:picLocks noGrp="1" noChangeAspect="1"/>
+          </p:cNvPicPr>
           <p:nvPr>
             <p:ph idx="1"/>
           </p:nvPr>
-        </p:nvSpPr>
+        </p:nvPicPr>
+        <p:blipFill>
+          <a:blip r:embed="rId2"/>
+          <a:stretch>
+            <a:fillRect/>
+          </a:stretch>
+        </p:blipFill>
         <p:spPr>
           <a:xfrm>
-            <a:off x="838200" y="3628479"/>
-            <a:ext cx="10515600" cy="2548484"/>
+            <a:off x="1635646" y="1435100"/>
+            <a:ext cx="8920707" cy="4741863"/>
           </a:xfrm>
+          <a:prstGeom prst="rect">
+            <a:avLst/>
+          </a:prstGeom>
         </p:spPr>
-        <p:txBody>
-          <a:bodyPr/>
-          <a:lstStyle/>
-          <a:p>
-            <a:pPr marL="0" indent="0">
-              <a:buNone/>
-            </a:pPr>
-            <a:r>
-              <a:rPr lang="en-US" dirty="0" smtClean="0"/>
-              <a:t>Sample size: </a:t>
-            </a:r>
-            <a:r>
-              <a:rPr lang="en-US" dirty="0"/>
-              <a:t>48842</a:t>
-            </a:r>
-            <a:endParaRPr lang="en-US" dirty="0" smtClean="0"/>
-          </a:p>
-          <a:p>
-            <a:pPr marL="0" indent="0">
-              <a:buNone/>
-            </a:pPr>
-            <a:r>
-              <a:rPr lang="en-US" dirty="0" smtClean="0"/>
-              <a:t>Nine predictors for classification </a:t>
-            </a:r>
-            <a:r>
-              <a:rPr lang="en-US" dirty="0"/>
-              <a:t>of income outcomes</a:t>
-            </a:r>
-          </a:p>
-          <a:p>
-            <a:r>
-              <a:rPr lang="en-US" dirty="0" smtClean="0"/>
-              <a:t>    demographic variables</a:t>
-            </a:r>
-            <a:r>
-              <a:rPr lang="en-US" dirty="0"/>
-              <a:t>: age, race, gender, country of origin, </a:t>
-            </a:r>
-            <a:r>
-              <a:rPr lang="en-US" dirty="0" smtClean="0"/>
-              <a:t>family</a:t>
-            </a:r>
-          </a:p>
-          <a:p>
-            <a:r>
-              <a:rPr lang="en-US" dirty="0"/>
-              <a:t> </a:t>
-            </a:r>
-            <a:r>
-              <a:rPr lang="en-US" dirty="0" smtClean="0"/>
-              <a:t>   attributes </a:t>
-            </a:r>
-            <a:r>
-              <a:rPr lang="en-US" dirty="0"/>
-              <a:t>of interest: education levels and </a:t>
-            </a:r>
-            <a:r>
-              <a:rPr lang="en-US" dirty="0" smtClean="0"/>
-              <a:t>work class </a:t>
-            </a:r>
-            <a:endParaRPr lang="en-US" dirty="0"/>
-          </a:p>
-        </p:txBody>
-      </p:sp>
+      </p:pic>
     </p:spTree>
     <p:extLst>
       <p:ext uri="{BB962C8B-B14F-4D97-AF65-F5344CB8AC3E}">
-        <p14:creationId xmlns:p14="http://schemas.microsoft.com/office/powerpoint/2010/main" val="1435314984"/>
+        <p14:creationId xmlns:p14="http://schemas.microsoft.com/office/powerpoint/2010/main" val="1653000864"/>
       </p:ext>
     </p:extLst>
   </p:cSld>
@@ -6085,6 +6394,412 @@
             <p:ph type="title"/>
           </p:nvPr>
         </p:nvSpPr>
+        <p:spPr/>
+        <p:txBody>
+          <a:bodyPr>
+            <a:normAutofit/>
+          </a:bodyPr>
+          <a:lstStyle/>
+          <a:p>
+            <a:r>
+              <a:rPr lang="en-US" sz="2700" b="1" i="1" dirty="0" smtClean="0"/>
+              <a:t>More than conventional wisdom</a:t>
+            </a:r>
+            <a:r>
+              <a:rPr lang="en-US" sz="2700" b="1" i="1" dirty="0"/>
+              <a:t> </a:t>
+            </a:r>
+            <a:r>
+              <a:rPr lang="en-US" sz="2700" b="1" i="1" dirty="0" smtClean="0"/>
+              <a:t>– policy issue in 1994, and now     </a:t>
+            </a:r>
+            <a:br>
+              <a:rPr lang="en-US" sz="2700" b="1" i="1" dirty="0" smtClean="0"/>
+            </a:br>
+            <a:r>
+              <a:rPr lang="en-US" sz="2400" dirty="0" smtClean="0"/>
+              <a:t>NYT Opinion, March </a:t>
+            </a:r>
+            <a:r>
+              <a:rPr lang="en-US" sz="2400" dirty="0"/>
+              <a:t>6, </a:t>
+            </a:r>
+            <a:r>
+              <a:rPr lang="en-US" sz="2400" dirty="0" smtClean="0"/>
+              <a:t>2020 - </a:t>
+            </a:r>
+            <a:r>
+              <a:rPr lang="en-US" sz="2000" dirty="0" smtClean="0"/>
+              <a:t>Article </a:t>
+            </a:r>
+            <a:r>
+              <a:rPr lang="en-US" sz="2000" dirty="0"/>
+              <a:t>by David </a:t>
+            </a:r>
+            <a:r>
+              <a:rPr lang="en-US" sz="2000" dirty="0" err="1"/>
+              <a:t>Leonhardt</a:t>
+            </a:r>
+            <a:r>
+              <a:rPr lang="en-US" sz="2000" dirty="0"/>
+              <a:t> &amp; Stuart A Thompson</a:t>
+            </a:r>
+          </a:p>
+        </p:txBody>
+      </p:sp>
+      <p:pic>
+        <p:nvPicPr>
+          <p:cNvPr id="5" name="Content Placeholder 4"/>
+          <p:cNvPicPr>
+            <a:picLocks noGrp="1" noChangeAspect="1"/>
+          </p:cNvPicPr>
+          <p:nvPr>
+            <p:ph sz="half" idx="1"/>
+          </p:nvPr>
+        </p:nvPicPr>
+        <p:blipFill>
+          <a:blip r:embed="rId2"/>
+          <a:stretch>
+            <a:fillRect/>
+          </a:stretch>
+        </p:blipFill>
+        <p:spPr>
+          <a:xfrm>
+            <a:off x="459828" y="2242635"/>
+            <a:ext cx="5514975" cy="3517318"/>
+          </a:xfrm>
+          <a:prstGeom prst="rect">
+            <a:avLst/>
+          </a:prstGeom>
+        </p:spPr>
+      </p:pic>
+      <p:pic>
+        <p:nvPicPr>
+          <p:cNvPr id="6" name="Content Placeholder 5"/>
+          <p:cNvPicPr>
+            <a:picLocks noGrp="1" noChangeAspect="1"/>
+          </p:cNvPicPr>
+          <p:nvPr>
+            <p:ph sz="half" idx="2"/>
+          </p:nvPr>
+        </p:nvPicPr>
+        <p:blipFill>
+          <a:blip r:embed="rId3"/>
+          <a:stretch>
+            <a:fillRect/>
+          </a:stretch>
+        </p:blipFill>
+        <p:spPr>
+          <a:xfrm>
+            <a:off x="6226997" y="2203016"/>
+            <a:ext cx="5237162" cy="2114595"/>
+          </a:xfrm>
+          <a:prstGeom prst="rect">
+            <a:avLst/>
+          </a:prstGeom>
+        </p:spPr>
+      </p:pic>
+    </p:spTree>
+    <p:extLst>
+      <p:ext uri="{BB962C8B-B14F-4D97-AF65-F5344CB8AC3E}">
+        <p14:creationId xmlns:p14="http://schemas.microsoft.com/office/powerpoint/2010/main" val="3141443203"/>
+      </p:ext>
+    </p:extLst>
+  </p:cSld>
+  <p:clrMapOvr>
+    <a:masterClrMapping/>
+  </p:clrMapOvr>
+</p:sld>
+</file>
+
+<file path=ppt/slides/slide5.xml><?xml version="1.0" encoding="utf-8"?>
+<p:sld xmlns:a="http://schemas.openxmlformats.org/drawingml/2006/main" xmlns:r="http://schemas.openxmlformats.org/officeDocument/2006/relationships" xmlns:p="http://schemas.openxmlformats.org/presentationml/2006/main">
+  <p:cSld>
+    <p:spTree>
+      <p:nvGrpSpPr>
+        <p:cNvPr id="1" name=""/>
+        <p:cNvGrpSpPr/>
+        <p:nvPr/>
+      </p:nvGrpSpPr>
+      <p:grpSpPr>
+        <a:xfrm>
+          <a:off x="0" y="0"/>
+          <a:ext cx="0" cy="0"/>
+          <a:chOff x="0" y="0"/>
+          <a:chExt cx="0" cy="0"/>
+        </a:xfrm>
+      </p:grpSpPr>
+      <p:sp>
+        <p:nvSpPr>
+          <p:cNvPr id="2" name="Title 1"/>
+          <p:cNvSpPr>
+            <a:spLocks noGrp="1"/>
+          </p:cNvSpPr>
+          <p:nvPr>
+            <p:ph type="title"/>
+          </p:nvPr>
+        </p:nvSpPr>
+        <p:spPr>
+          <a:xfrm>
+            <a:off x="838200" y="365125"/>
+            <a:ext cx="10515600" cy="2515534"/>
+          </a:xfrm>
+        </p:spPr>
+        <p:txBody>
+          <a:bodyPr>
+            <a:normAutofit fontScale="90000"/>
+          </a:bodyPr>
+          <a:lstStyle/>
+          <a:p>
+            <a:r>
+              <a:rPr lang="en-US" sz="4000" dirty="0" smtClean="0"/>
+              <a:t/>
+            </a:r>
+            <a:br>
+              <a:rPr lang="en-US" sz="4000" dirty="0" smtClean="0"/>
+            </a:br>
+            <a:r>
+              <a:rPr lang="en-US" sz="3600" b="1" i="1" dirty="0" smtClean="0"/>
+              <a:t>The DATA</a:t>
+            </a:r>
+            <a:r>
+              <a:rPr lang="en-US" sz="3600" dirty="0" smtClean="0"/>
+              <a:t> </a:t>
+            </a:r>
+            <a:br>
+              <a:rPr lang="en-US" sz="3600" dirty="0" smtClean="0"/>
+            </a:br>
+            <a:r>
+              <a:rPr lang="en-US" sz="3600" dirty="0" smtClean="0"/>
+              <a:t>	</a:t>
+            </a:r>
+            <a:r>
+              <a:rPr lang="en-US" sz="3200" dirty="0"/>
+              <a:t>– </a:t>
+            </a:r>
+            <a:r>
+              <a:rPr lang="en-US" sz="3200" dirty="0" smtClean="0"/>
+              <a:t>1994 </a:t>
+            </a:r>
+            <a:r>
+              <a:rPr lang="en-US" sz="3200" dirty="0"/>
+              <a:t>US Census Adult Census Income on </a:t>
+            </a:r>
+            <a:r>
+              <a:rPr lang="en-US" sz="3200" dirty="0" err="1"/>
+              <a:t>Kaggle</a:t>
+            </a:r>
+            <a:r>
+              <a:rPr lang="en-US" sz="3200" dirty="0"/>
+              <a:t> website </a:t>
+            </a:r>
+            <a:r>
+              <a:rPr lang="en-US" sz="3600" dirty="0"/>
+              <a:t/>
+            </a:r>
+            <a:br>
+              <a:rPr lang="en-US" sz="3600" dirty="0"/>
+            </a:br>
+            <a:r>
+              <a:rPr lang="en-US" sz="3600" dirty="0" smtClean="0"/>
+              <a:t>	           </a:t>
+            </a:r>
+            <a:r>
+              <a:rPr lang="en-US" sz="3200" b="1" dirty="0"/>
+              <a:t>I</a:t>
+            </a:r>
+            <a:r>
+              <a:rPr lang="en-US" sz="3200" b="1" dirty="0" smtClean="0"/>
+              <a:t>ncome</a:t>
+            </a:r>
+            <a:r>
+              <a:rPr lang="en-US" sz="3200" b="1" dirty="0"/>
+              <a:t>: </a:t>
+            </a:r>
+            <a:r>
+              <a:rPr lang="en-US" sz="3200" b="1" dirty="0" smtClean="0"/>
+              <a:t>  &lt; or </a:t>
+            </a:r>
+            <a:r>
+              <a:rPr lang="en-US" sz="3200" b="1" dirty="0"/>
+              <a:t>= $</a:t>
+            </a:r>
+            <a:r>
+              <a:rPr lang="en-US" sz="3200" b="1" dirty="0" smtClean="0"/>
+              <a:t>50,000;   </a:t>
+            </a:r>
+            <a:r>
+              <a:rPr lang="en-US" sz="3200" b="1" dirty="0"/>
+              <a:t>&gt; $</a:t>
+            </a:r>
+            <a:r>
+              <a:rPr lang="en-US" sz="3200" b="1" dirty="0" smtClean="0"/>
+              <a:t>50,000</a:t>
+            </a:r>
+            <a:r>
+              <a:rPr lang="en-US" sz="3600" dirty="0" smtClean="0"/>
+              <a:t/>
+            </a:r>
+            <a:br>
+              <a:rPr lang="en-US" sz="3600" dirty="0" smtClean="0"/>
+            </a:br>
+            <a:r>
+              <a:rPr lang="en-US" sz="3600" dirty="0" smtClean="0"/>
+              <a:t>	        	</a:t>
+            </a:r>
+            <a:r>
+              <a:rPr lang="en-US" sz="3600" dirty="0"/>
+              <a:t>	</a:t>
+            </a:r>
+            <a:r>
+              <a:rPr lang="en-US" sz="3200" dirty="0" smtClean="0"/>
+              <a:t>“</a:t>
+            </a:r>
+            <a:r>
+              <a:rPr lang="en-US" sz="3200" dirty="0" smtClean="0"/>
+              <a:t>Good </a:t>
+            </a:r>
+            <a:r>
+              <a:rPr lang="en-US" sz="3200" dirty="0"/>
+              <a:t>job” </a:t>
+            </a:r>
+            <a:r>
+              <a:rPr lang="en-US" sz="3200" dirty="0" smtClean="0"/>
+              <a:t>for </a:t>
+            </a:r>
+            <a:r>
+              <a:rPr lang="en-US" sz="3200" dirty="0"/>
+              <a:t>1994 </a:t>
+            </a:r>
+            <a:r>
+              <a:rPr lang="en-US" sz="3200" dirty="0" smtClean="0"/>
+              <a:t>data </a:t>
+            </a:r>
+            <a:endParaRPr lang="en-US" sz="2000" dirty="0"/>
+          </a:p>
+        </p:txBody>
+      </p:sp>
+      <p:sp>
+        <p:nvSpPr>
+          <p:cNvPr id="3" name="Content Placeholder 2"/>
+          <p:cNvSpPr>
+            <a:spLocks noGrp="1"/>
+          </p:cNvSpPr>
+          <p:nvPr>
+            <p:ph idx="1"/>
+          </p:nvPr>
+        </p:nvSpPr>
+        <p:spPr>
+          <a:xfrm>
+            <a:off x="838200" y="3628479"/>
+            <a:ext cx="10515600" cy="2548484"/>
+          </a:xfrm>
+        </p:spPr>
+        <p:txBody>
+          <a:bodyPr/>
+          <a:lstStyle/>
+          <a:p>
+            <a:pPr marL="0" indent="0">
+              <a:buNone/>
+            </a:pPr>
+            <a:r>
+              <a:rPr lang="en-US" dirty="0" smtClean="0"/>
+              <a:t>Sample size: </a:t>
+            </a:r>
+            <a:r>
+              <a:rPr lang="en-US" dirty="0"/>
+              <a:t>48842</a:t>
+            </a:r>
+            <a:endParaRPr lang="en-US" dirty="0" smtClean="0"/>
+          </a:p>
+          <a:p>
+            <a:pPr marL="0" indent="0">
+              <a:buNone/>
+            </a:pPr>
+            <a:r>
+              <a:rPr lang="en-US" dirty="0" smtClean="0"/>
+              <a:t>Nine predictors for classification </a:t>
+            </a:r>
+            <a:r>
+              <a:rPr lang="en-US" dirty="0"/>
+              <a:t>of income outcomes</a:t>
+            </a:r>
+          </a:p>
+          <a:p>
+            <a:r>
+              <a:rPr lang="en-US" dirty="0" smtClean="0"/>
+              <a:t>    demographic variables</a:t>
+            </a:r>
+            <a:r>
+              <a:rPr lang="en-US" dirty="0"/>
+              <a:t>: age, race, gender, country of origin, </a:t>
+            </a:r>
+            <a:r>
+              <a:rPr lang="en-US" dirty="0" smtClean="0"/>
+              <a:t>family</a:t>
+            </a:r>
+          </a:p>
+          <a:p>
+            <a:r>
+              <a:rPr lang="en-US" dirty="0"/>
+              <a:t> </a:t>
+            </a:r>
+            <a:r>
+              <a:rPr lang="en-US" dirty="0" smtClean="0"/>
+              <a:t>   attributes </a:t>
+            </a:r>
+            <a:r>
+              <a:rPr lang="en-US" dirty="0"/>
+              <a:t>of interest: education levels and </a:t>
+            </a:r>
+            <a:r>
+              <a:rPr lang="en-US" dirty="0" smtClean="0"/>
+              <a:t>work class </a:t>
+            </a:r>
+            <a:endParaRPr lang="en-US" dirty="0"/>
+          </a:p>
+        </p:txBody>
+      </p:sp>
+    </p:spTree>
+    <p:extLst>
+      <p:ext uri="{BB962C8B-B14F-4D97-AF65-F5344CB8AC3E}">
+        <p14:creationId xmlns:p14="http://schemas.microsoft.com/office/powerpoint/2010/main" val="1435314984"/>
+      </p:ext>
+    </p:extLst>
+  </p:cSld>
+  <p:clrMapOvr>
+    <a:masterClrMapping/>
+  </p:clrMapOvr>
+</p:sld>
+</file>
+
+<file path=ppt/slides/slide6.xml><?xml version="1.0" encoding="utf-8"?>
+<p:sld xmlns:a="http://schemas.openxmlformats.org/drawingml/2006/main" xmlns:r="http://schemas.openxmlformats.org/officeDocument/2006/relationships" xmlns:p="http://schemas.openxmlformats.org/presentationml/2006/main">
+  <p:cSld>
+    <p:spTree>
+      <p:nvGrpSpPr>
+        <p:cNvPr id="1" name=""/>
+        <p:cNvGrpSpPr/>
+        <p:nvPr/>
+      </p:nvGrpSpPr>
+      <p:grpSpPr>
+        <a:xfrm>
+          <a:off x="0" y="0"/>
+          <a:ext cx="0" cy="0"/>
+          <a:chOff x="0" y="0"/>
+          <a:chExt cx="0" cy="0"/>
+        </a:xfrm>
+      </p:grpSpPr>
+      <p:sp>
+        <p:nvSpPr>
+          <p:cNvPr id="2" name="Title 1"/>
+          <p:cNvSpPr>
+            <a:spLocks noGrp="1"/>
+          </p:cNvSpPr>
+          <p:nvPr>
+            <p:ph type="title"/>
+          </p:nvPr>
+        </p:nvSpPr>
         <p:spPr>
           <a:xfrm>
             <a:off x="839788" y="457200"/>
@@ -6166,7 +6881,6 @@
               <a:rPr lang="en-US" sz="2000" dirty="0" smtClean="0"/>
               <a:t>10 - Some college (median)</a:t>
             </a:r>
-            <a:endParaRPr lang="en-US" sz="2000" dirty="0" smtClean="0"/>
           </a:p>
           <a:p>
             <a:r>
@@ -6234,7 +6948,7 @@
 </p:sld>
 </file>
 
-<file path=ppt/slides/slide5.xml><?xml version="1.0" encoding="utf-8"?>
+<file path=ppt/slides/slide7.xml><?xml version="1.0" encoding="utf-8"?>
 <p:sld xmlns:a="http://schemas.openxmlformats.org/drawingml/2006/main" xmlns:r="http://schemas.openxmlformats.org/officeDocument/2006/relationships" xmlns:p="http://schemas.openxmlformats.org/presentationml/2006/main">
   <p:cSld>
     <p:spTree>
@@ -6411,7 +7125,7 @@
 </p:sld>
 </file>
 
-<file path=ppt/slides/slide6.xml><?xml version="1.0" encoding="utf-8"?>
+<file path=ppt/slides/slide8.xml><?xml version="1.0" encoding="utf-8"?>
 <p:sld xmlns:a="http://schemas.openxmlformats.org/drawingml/2006/main" xmlns:r="http://schemas.openxmlformats.org/officeDocument/2006/relationships" xmlns:p="http://schemas.openxmlformats.org/presentationml/2006/main">
   <p:cSld>
     <p:spTree>
@@ -6592,309 +7306,6 @@
 </p:sld>
 </file>
 
-<file path=ppt/slides/slide7.xml><?xml version="1.0" encoding="utf-8"?>
-<p:sld xmlns:a="http://schemas.openxmlformats.org/drawingml/2006/main" xmlns:r="http://schemas.openxmlformats.org/officeDocument/2006/relationships" xmlns:p="http://schemas.openxmlformats.org/presentationml/2006/main">
-  <p:cSld>
-    <p:spTree>
-      <p:nvGrpSpPr>
-        <p:cNvPr id="1" name=""/>
-        <p:cNvGrpSpPr/>
-        <p:nvPr/>
-      </p:nvGrpSpPr>
-      <p:grpSpPr>
-        <a:xfrm>
-          <a:off x="0" y="0"/>
-          <a:ext cx="0" cy="0"/>
-          <a:chOff x="0" y="0"/>
-          <a:chExt cx="0" cy="0"/>
-        </a:xfrm>
-      </p:grpSpPr>
-      <p:sp>
-        <p:nvSpPr>
-          <p:cNvPr id="2" name="Title 1"/>
-          <p:cNvSpPr>
-            <a:spLocks noGrp="1"/>
-          </p:cNvSpPr>
-          <p:nvPr>
-            <p:ph type="title"/>
-          </p:nvPr>
-        </p:nvSpPr>
-        <p:spPr>
-          <a:xfrm>
-            <a:off x="838200" y="365125"/>
-            <a:ext cx="10515600" cy="2515534"/>
-          </a:xfrm>
-        </p:spPr>
-        <p:txBody>
-          <a:bodyPr>
-            <a:normAutofit fontScale="90000"/>
-          </a:bodyPr>
-          <a:lstStyle/>
-          <a:p>
-            <a:r>
-              <a:rPr lang="en-US" sz="4000" dirty="0" smtClean="0"/>
-              <a:t/>
-            </a:r>
-            <a:br>
-              <a:rPr lang="en-US" sz="4000" dirty="0" smtClean="0"/>
-            </a:br>
-            <a:r>
-              <a:rPr lang="en-US" sz="4000" b="1" dirty="0"/>
-              <a:t>Inferential statistics revealed three results</a:t>
-            </a:r>
-            <a:r>
-              <a:rPr lang="en-US" sz="4000" dirty="0"/>
-              <a:t/>
-            </a:r>
-            <a:br>
-              <a:rPr lang="en-US" sz="4000" dirty="0"/>
-            </a:br>
-            <a:r>
-              <a:rPr lang="en-US" sz="3600" dirty="0" smtClean="0"/>
-              <a:t/>
-            </a:r>
-            <a:br>
-              <a:rPr lang="en-US" sz="3600" dirty="0" smtClean="0"/>
-            </a:br>
-            <a:r>
-              <a:rPr lang="en-US" sz="3600" dirty="0" smtClean="0"/>
-              <a:t>	</a:t>
-            </a:r>
-            <a:r>
-              <a:rPr lang="en-US" sz="3600" i="1" dirty="0"/>
-              <a:t>Project focuses on exploring education as predictor </a:t>
-            </a:r>
-            <a:r>
-              <a:rPr lang="en-US" dirty="0"/>
-              <a:t/>
-            </a:r>
-            <a:br>
-              <a:rPr lang="en-US" dirty="0"/>
-            </a:br>
-            <a:endParaRPr lang="en-US" dirty="0"/>
-          </a:p>
-        </p:txBody>
-      </p:sp>
-      <p:sp>
-        <p:nvSpPr>
-          <p:cNvPr id="3" name="Content Placeholder 2"/>
-          <p:cNvSpPr>
-            <a:spLocks noGrp="1"/>
-          </p:cNvSpPr>
-          <p:nvPr>
-            <p:ph idx="1"/>
-          </p:nvPr>
-        </p:nvSpPr>
-        <p:spPr>
-          <a:xfrm>
-            <a:off x="838200" y="3111062"/>
-            <a:ext cx="10515600" cy="3065901"/>
-          </a:xfrm>
-        </p:spPr>
-        <p:txBody>
-          <a:bodyPr/>
-          <a:lstStyle/>
-          <a:p>
-            <a:pPr lvl="0"/>
-            <a:r>
-              <a:rPr lang="en-US" dirty="0"/>
-              <a:t>A four-year college degree significantly impacted the income outcome as compared with no bachelor’s degree. </a:t>
-            </a:r>
-          </a:p>
-          <a:p>
-            <a:pPr lvl="0"/>
-            <a:r>
-              <a:rPr lang="en-US" dirty="0"/>
-              <a:t>Work class, which is a combination of work-sector and -status, and the level of education are significantly correlated. </a:t>
-            </a:r>
-          </a:p>
-          <a:p>
-            <a:pPr lvl="0"/>
-            <a:r>
-              <a:rPr lang="en-US" dirty="0"/>
-              <a:t>Hours-per-week worked was independent from education.</a:t>
-            </a:r>
-          </a:p>
-        </p:txBody>
-      </p:sp>
-    </p:spTree>
-    <p:extLst>
-      <p:ext uri="{BB962C8B-B14F-4D97-AF65-F5344CB8AC3E}">
-        <p14:creationId xmlns:p14="http://schemas.microsoft.com/office/powerpoint/2010/main" val="2959806794"/>
-      </p:ext>
-    </p:extLst>
-  </p:cSld>
-  <p:clrMapOvr>
-    <a:masterClrMapping/>
-  </p:clrMapOvr>
-</p:sld>
-</file>
-
-<file path=ppt/slides/slide8.xml><?xml version="1.0" encoding="utf-8"?>
-<p:sld xmlns:a="http://schemas.openxmlformats.org/drawingml/2006/main" xmlns:r="http://schemas.openxmlformats.org/officeDocument/2006/relationships" xmlns:p="http://schemas.openxmlformats.org/presentationml/2006/main">
-  <p:cSld>
-    <p:spTree>
-      <p:nvGrpSpPr>
-        <p:cNvPr id="1" name=""/>
-        <p:cNvGrpSpPr/>
-        <p:nvPr/>
-      </p:nvGrpSpPr>
-      <p:grpSpPr>
-        <a:xfrm>
-          <a:off x="0" y="0"/>
-          <a:ext cx="0" cy="0"/>
-          <a:chOff x="0" y="0"/>
-          <a:chExt cx="0" cy="0"/>
-        </a:xfrm>
-      </p:grpSpPr>
-      <p:sp>
-        <p:nvSpPr>
-          <p:cNvPr id="2" name="Title 1"/>
-          <p:cNvSpPr>
-            <a:spLocks noGrp="1"/>
-          </p:cNvSpPr>
-          <p:nvPr>
-            <p:ph type="title"/>
-          </p:nvPr>
-        </p:nvSpPr>
-        <p:spPr/>
-        <p:txBody>
-          <a:bodyPr/>
-          <a:lstStyle/>
-          <a:p>
-            <a:r>
-              <a:rPr lang="en-US" b="1" dirty="0" smtClean="0"/>
-              <a:t>Income for </a:t>
-            </a:r>
-            <a:br>
-              <a:rPr lang="en-US" b="1" dirty="0" smtClean="0"/>
-            </a:br>
-            <a:r>
-              <a:rPr lang="en-US" b="1" dirty="0" smtClean="0"/>
-              <a:t>education levels</a:t>
-            </a:r>
-            <a:endParaRPr lang="en-US" b="1" dirty="0"/>
-          </a:p>
-        </p:txBody>
-      </p:sp>
-      <p:sp>
-        <p:nvSpPr>
-          <p:cNvPr id="4" name="Text Placeholder 3"/>
-          <p:cNvSpPr>
-            <a:spLocks noGrp="1"/>
-          </p:cNvSpPr>
-          <p:nvPr>
-            <p:ph type="body" sz="half" idx="2"/>
-          </p:nvPr>
-        </p:nvSpPr>
-        <p:spPr>
-          <a:xfrm>
-            <a:off x="1318009" y="2104697"/>
-            <a:ext cx="2287039" cy="3811588"/>
-          </a:xfrm>
-        </p:spPr>
-        <p:txBody>
-          <a:bodyPr/>
-          <a:lstStyle/>
-          <a:p>
-            <a:pPr algn="ctr"/>
-            <a:endParaRPr lang="en-US" dirty="0" smtClean="0"/>
-          </a:p>
-          <a:p>
-            <a:r>
-              <a:rPr lang="en-US" sz="1800" dirty="0"/>
-              <a:t>9 = high school</a:t>
-            </a:r>
-          </a:p>
-          <a:p>
-            <a:r>
-              <a:rPr lang="en-US" sz="1800" dirty="0"/>
-              <a:t>      graduate</a:t>
-            </a:r>
-          </a:p>
-          <a:p>
-            <a:r>
-              <a:rPr lang="en-US" sz="1800" dirty="0"/>
-              <a:t> </a:t>
-            </a:r>
-          </a:p>
-          <a:p>
-            <a:r>
-              <a:rPr lang="en-US" sz="1800" dirty="0"/>
-              <a:t>10 = some </a:t>
-            </a:r>
-          </a:p>
-          <a:p>
-            <a:r>
-              <a:rPr lang="en-US" sz="1800" dirty="0"/>
-              <a:t>         college</a:t>
-            </a:r>
-          </a:p>
-          <a:p>
-            <a:r>
-              <a:rPr lang="en-US" sz="1800" dirty="0"/>
-              <a:t>        (median)</a:t>
-            </a:r>
-          </a:p>
-          <a:p>
-            <a:r>
-              <a:rPr lang="en-US" sz="1800" dirty="0"/>
-              <a:t> </a:t>
-            </a:r>
-          </a:p>
-          <a:p>
-            <a:r>
-              <a:rPr lang="en-US" sz="1800" dirty="0"/>
-              <a:t>13 = bachelor’s</a:t>
-            </a:r>
-          </a:p>
-          <a:p>
-            <a:r>
-              <a:rPr lang="en-US" sz="1800" dirty="0"/>
-              <a:t>         degree</a:t>
-            </a:r>
-          </a:p>
-        </p:txBody>
-      </p:sp>
-      <p:pic>
-        <p:nvPicPr>
-          <p:cNvPr id="8" name="Content Placeholder 7"/>
-          <p:cNvPicPr>
-            <a:picLocks noGrp="1"/>
-          </p:cNvPicPr>
-          <p:nvPr>
-            <p:ph idx="1"/>
-          </p:nvPr>
-        </p:nvPicPr>
-        <p:blipFill>
-          <a:blip r:embed="rId2"/>
-          <a:stretch>
-            <a:fillRect/>
-          </a:stretch>
-        </p:blipFill>
-        <p:spPr>
-          <a:xfrm>
-            <a:off x="4950372" y="1035269"/>
-            <a:ext cx="6274675" cy="4950372"/>
-          </a:xfrm>
-          <a:prstGeom prst="rect">
-            <a:avLst/>
-          </a:prstGeom>
-        </p:spPr>
-      </p:pic>
-    </p:spTree>
-    <p:extLst>
-      <p:ext uri="{BB962C8B-B14F-4D97-AF65-F5344CB8AC3E}">
-        <p14:creationId xmlns:p14="http://schemas.microsoft.com/office/powerpoint/2010/main" val="1563909206"/>
-      </p:ext>
-    </p:extLst>
-  </p:cSld>
-  <p:clrMapOvr>
-    <a:masterClrMapping/>
-  </p:clrMapOvr>
-</p:sld>
-</file>
-
 <file path=ppt/slides/slide9.xml><?xml version="1.0" encoding="utf-8"?>
 <p:sld xmlns:a="http://schemas.openxmlformats.org/drawingml/2006/main" xmlns:r="http://schemas.openxmlformats.org/officeDocument/2006/relationships" xmlns:p="http://schemas.openxmlformats.org/presentationml/2006/main">
   <p:cSld>
@@ -6930,7 +7341,7 @@
         </p:spPr>
         <p:txBody>
           <a:bodyPr>
-            <a:noAutofit/>
+            <a:normAutofit fontScale="90000"/>
           </a:bodyPr>
           <a:lstStyle/>
           <a:p>
@@ -6942,26 +7353,9 @@
               <a:rPr lang="en-US" sz="4000" dirty="0" smtClean="0"/>
             </a:br>
             <a:r>
-              <a:rPr lang="en-US" sz="4000" dirty="0" smtClean="0"/>
-              <a:t/>
-            </a:r>
-            <a:br>
-              <a:rPr lang="en-US" sz="4000" dirty="0" smtClean="0"/>
-            </a:br>
-            <a:r>
-              <a:rPr lang="en-US" sz="4000" dirty="0" smtClean="0"/>
-              <a:t/>
-            </a:r>
-            <a:br>
-              <a:rPr lang="en-US" sz="4000" dirty="0" smtClean="0"/>
-            </a:br>
-            <a:r>
-              <a:rPr lang="en-US" sz="2800" i="1" dirty="0" smtClean="0"/>
-              <a:t>Hypothesis Testing</a:t>
-            </a:r>
-            <a:br>
-              <a:rPr lang="en-US" sz="2800" i="1" dirty="0" smtClean="0"/>
-            </a:br>
+              <a:rPr lang="en-US" sz="4000" b="1" dirty="0"/>
+              <a:t>Inferential statistics revealed three results</a:t>
+            </a:r>
             <a:r>
               <a:rPr lang="en-US" sz="4000" dirty="0"/>
               <a:t/>
@@ -6970,34 +7364,20 @@
               <a:rPr lang="en-US" sz="4000" dirty="0"/>
             </a:br>
             <a:r>
-              <a:rPr lang="en-US" sz="3600" b="1" dirty="0" smtClean="0"/>
-              <a:t>1. Relationship </a:t>
-            </a:r>
-            <a:r>
-              <a:rPr lang="en-US" sz="3600" b="1" dirty="0"/>
-              <a:t>of Education to Income Outcome</a:t>
-            </a:r>
-            <a:r>
-              <a:rPr lang="en-US" sz="3600" dirty="0"/>
-              <a:t/>
-            </a:r>
-            <a:br>
-              <a:rPr lang="en-US" sz="3600" dirty="0"/>
-            </a:br>
-            <a:r>
-              <a:rPr lang="en-US" sz="4000" dirty="0"/>
-              <a:t/>
-            </a:r>
-            <a:br>
-              <a:rPr lang="en-US" sz="4000" dirty="0"/>
-            </a:br>
-            <a:r>
               <a:rPr lang="en-US" sz="3600" dirty="0" smtClean="0"/>
               <a:t/>
             </a:r>
             <a:br>
               <a:rPr lang="en-US" sz="3600" dirty="0" smtClean="0"/>
             </a:br>
+            <a:r>
+              <a:rPr lang="en-US" sz="3600" dirty="0" smtClean="0"/>
+              <a:t>	</a:t>
+            </a:r>
+            <a:r>
+              <a:rPr lang="en-US" sz="3600" i="1" dirty="0"/>
+              <a:t>Project focuses on exploring education as predictor </a:t>
+            </a:r>
             <a:r>
               <a:rPr lang="en-US" dirty="0"/>
               <a:t/>
@@ -7021,155 +7401,40 @@
         </p:nvSpPr>
         <p:spPr>
           <a:xfrm>
-            <a:off x="880242" y="2396358"/>
+            <a:off x="838200" y="3111062"/>
             <a:ext cx="10515600" cy="3065901"/>
           </a:xfrm>
         </p:spPr>
         <p:txBody>
-          <a:bodyPr>
-            <a:normAutofit fontScale="92500" lnSpcReduction="20000"/>
-          </a:bodyPr>
-          <a:lstStyle/>
-          <a:p>
-            <a:pPr marL="0" indent="0">
-              <a:buNone/>
-            </a:pPr>
-            <a:r>
-              <a:rPr lang="en-US" dirty="0" smtClean="0"/>
-              <a:t>	Null </a:t>
-            </a:r>
+          <a:bodyPr/>
+          <a:lstStyle/>
+          <a:p>
+            <a:pPr lvl="0"/>
             <a:r>
               <a:rPr lang="en-US" dirty="0"/>
-              <a:t>hypothesis: </a:t>
-            </a:r>
-            <a:r>
-              <a:rPr lang="en-US" dirty="0" smtClean="0"/>
-              <a:t>No </a:t>
-            </a:r>
+              <a:t>A four-year college degree significantly impacted the income outcome as compared with no bachelor’s degree. </a:t>
+            </a:r>
+          </a:p>
+          <a:p>
+            <a:pPr lvl="0"/>
             <a:r>
               <a:rPr lang="en-US" dirty="0"/>
-              <a:t>differential effect on income outcome between </a:t>
-            </a:r>
-          </a:p>
-          <a:p>
-            <a:pPr marL="0" indent="0">
-              <a:buNone/>
-            </a:pPr>
-            <a:r>
-              <a:rPr lang="en-US" dirty="0" smtClean="0"/>
-              <a:t>		BA </a:t>
-            </a:r>
+              <a:t>Work class, which is a combination of work-sector and -status, and the level of education are significantly correlated. </a:t>
+            </a:r>
+          </a:p>
+          <a:p>
+            <a:pPr lvl="0"/>
             <a:r>
               <a:rPr lang="en-US" dirty="0"/>
-              <a:t>= bachelor’s degree &amp; no additional degrees (8025)</a:t>
-            </a:r>
-          </a:p>
-          <a:p>
-            <a:pPr marL="0" indent="0">
-              <a:buNone/>
-            </a:pPr>
-            <a:r>
-              <a:rPr lang="en-US" dirty="0" smtClean="0"/>
-              <a:t>		No </a:t>
-            </a:r>
-            <a:r>
-              <a:rPr lang="en-US" dirty="0"/>
-              <a:t>BA = without bachelor’s degree (36372)</a:t>
-            </a:r>
-          </a:p>
-          <a:p>
-            <a:pPr marL="0" indent="0">
-              <a:buNone/>
-            </a:pPr>
-            <a:r>
-              <a:rPr lang="en-US" dirty="0"/>
-              <a:t> </a:t>
-            </a:r>
-          </a:p>
-          <a:p>
-            <a:pPr lvl="2"/>
-            <a:r>
-              <a:rPr lang="en-US" dirty="0" smtClean="0"/>
-              <a:t>Two-sample </a:t>
-            </a:r>
-            <a:r>
-              <a:rPr lang="en-US" dirty="0"/>
-              <a:t>t-test from </a:t>
-            </a:r>
-            <a:r>
-              <a:rPr lang="en-US" dirty="0" err="1"/>
-              <a:t>scipy</a:t>
-            </a:r>
-            <a:r>
-              <a:rPr lang="en-US" dirty="0"/>
-              <a:t> stats</a:t>
-            </a:r>
-          </a:p>
-          <a:p>
-            <a:pPr lvl="2"/>
-            <a:r>
-              <a:rPr lang="en-US" dirty="0" smtClean="0"/>
-              <a:t>Significant </a:t>
-            </a:r>
-            <a:r>
-              <a:rPr lang="en-US" dirty="0"/>
-              <a:t>t-statistic, -52.4087 and a p-value of 0.0</a:t>
-            </a:r>
-          </a:p>
-          <a:p>
-            <a:pPr lvl="2"/>
-            <a:r>
-              <a:rPr lang="en-US" dirty="0"/>
-              <a:t>Reject null -</a:t>
-            </a:r>
-          </a:p>
-          <a:p>
-            <a:pPr marL="1371600" lvl="3" indent="0">
-              <a:buNone/>
-            </a:pPr>
-            <a:r>
-              <a:rPr lang="en-US" sz="2200" dirty="0" smtClean="0"/>
-              <a:t>Alternate:  Outcomes</a:t>
-            </a:r>
-            <a:r>
-              <a:rPr lang="en-US" sz="2200" dirty="0"/>
-              <a:t>, greater than $50k income, are more likely with </a:t>
-            </a:r>
-            <a:endParaRPr lang="en-US" sz="2200" dirty="0" smtClean="0"/>
-          </a:p>
-          <a:p>
-            <a:pPr marL="1371600" lvl="3" indent="0">
-              <a:buNone/>
-            </a:pPr>
-            <a:r>
-              <a:rPr lang="en-US" sz="2200" dirty="0" smtClean="0"/>
-              <a:t>bachelor’s degrees than any </a:t>
-            </a:r>
-            <a:r>
-              <a:rPr lang="en-US" sz="2200" dirty="0"/>
-              <a:t>education level short of a bachelor’s </a:t>
-            </a:r>
-            <a:r>
-              <a:rPr lang="en-US" sz="2200" dirty="0" smtClean="0"/>
-              <a:t>degree</a:t>
-            </a:r>
-          </a:p>
-          <a:p>
-            <a:pPr marL="914400" lvl="2" indent="0">
-              <a:buNone/>
-            </a:pPr>
-            <a:endParaRPr lang="en-US" sz="2400" dirty="0"/>
-          </a:p>
-          <a:p>
-            <a:pPr lvl="0"/>
-            <a:endParaRPr lang="en-US" dirty="0"/>
+              <a:t>Hours-per-week worked was independent from education.</a:t>
+            </a:r>
           </a:p>
         </p:txBody>
       </p:sp>
     </p:spTree>
     <p:extLst>
       <p:ext uri="{BB962C8B-B14F-4D97-AF65-F5344CB8AC3E}">
-        <p14:creationId xmlns:p14="http://schemas.microsoft.com/office/powerpoint/2010/main" val="1374294636"/>
+        <p14:creationId xmlns:p14="http://schemas.microsoft.com/office/powerpoint/2010/main" val="2959806794"/>
       </p:ext>
     </p:extLst>
   </p:cSld>
